--- a/It Ain't AI.pptx
+++ b/It Ain't AI.pptx
@@ -3569,14 +3569,14 @@
             <a:pPr lvl="1"/>
             <a:r>
               <a:rPr lang="en-US" dirty="0"/>
-              <a:t>Open sources like R and Python emerge?</a:t>
+              <a:t>Smart phones create the digital exhaust exhaust of human activity?</a:t>
             </a:r>
           </a:p>
           <a:p>
             <a:pPr lvl="1"/>
             <a:r>
               <a:rPr lang="en-US" dirty="0"/>
-              <a:t>Smart phones create the digital exhaust exhaust of human activity?</a:t>
+              <a:t>Open-source computing engines like R and Python emerge?</a:t>
             </a:r>
           </a:p>
           <a:p>
@@ -4354,7 +4354,7 @@
           <a:p>
             <a:r>
               <a:rPr lang="en-US" dirty="0"/>
-              <a:t>Response 1: Judea Pearl’s Ladder of Causation</a:t>
+              <a:t>Response 2.0: Pearl’s Ladder of Causation</a:t>
             </a:r>
           </a:p>
         </p:txBody>
@@ -5067,7 +5067,7 @@
           <a:p>
             <a:r>
               <a:rPr lang="en-US" dirty="0"/>
-              <a:t>Response 2: </a:t>
+              <a:t>Response 2.1: </a:t>
             </a:r>
             <a:r>
               <a:rPr lang="en-US" dirty="0" err="1"/>
@@ -5913,7 +5913,7 @@
           <a:p>
             <a:r>
               <a:rPr lang="en-US" dirty="0"/>
-              <a:t>But, Savage, Your Priors Are Subjective</a:t>
+              <a:t>But Bayesian Priors Are Subjective</a:t>
             </a:r>
           </a:p>
         </p:txBody>
@@ -5943,62 +5943,62 @@
           <a:p>
             <a:r>
               <a:rPr lang="en-US" dirty="0"/>
-              <a:t>True, but they are transparent.  </a:t>
-            </a:r>
-          </a:p>
-          <a:p>
-            <a:r>
-              <a:rPr lang="en-US" dirty="0"/>
-              <a:t>Besides</a:t>
+              <a:t>True, but they are transparent and stated in the terms of probability.  </a:t>
+            </a:r>
+          </a:p>
+          <a:p>
+            <a:r>
+              <a:rPr lang="en-US" dirty="0"/>
+              <a:t>Besides  </a:t>
             </a:r>
           </a:p>
           <a:p>
             <a:pPr lvl="1"/>
             <a:r>
               <a:rPr lang="en-US" dirty="0"/>
-              <a:t>I can my express my degree of knowledge probabilistically, as can you.  </a:t>
+              <a:t>Why would I ignore prior information?</a:t>
             </a:r>
           </a:p>
           <a:p>
             <a:pPr lvl="1"/>
             <a:r>
               <a:rPr lang="en-US" dirty="0"/>
-              <a:t>Why would I ignore prior information?</a:t>
+              <a:t>IID is as subjective but not transparent.</a:t>
             </a:r>
           </a:p>
           <a:p>
             <a:pPr lvl="1"/>
             <a:r>
               <a:rPr lang="en-US" dirty="0"/>
-              <a:t>IID is as subjective but not transparent.    </a:t>
+              <a:t>FNP paradigm of NHST relies on “repeated samples” that do not exist.      </a:t>
             </a:r>
           </a:p>
           <a:p>
             <a:pPr lvl="1"/>
             <a:r>
               <a:rPr lang="en-US" dirty="0"/>
-              <a:t>The FNP paradigm of NHST relies on “repeated samples” that we lack.  </a:t>
+              <a:t>Modern computing power makes large-scale MCMC simulation trivial. </a:t>
             </a:r>
           </a:p>
           <a:p>
             <a:pPr lvl="1"/>
             <a:r>
               <a:rPr lang="en-US" dirty="0"/>
-              <a:t>Modern computing power makes large-scale MCMC simulation trivial. </a:t>
+              <a:t>The data dominate: Bayesian CLT.</a:t>
             </a:r>
           </a:p>
           <a:p>
             <a:pPr lvl="1"/>
             <a:r>
               <a:rPr lang="en-US" dirty="0"/>
-              <a:t>The data dominate: Bayesian CLT.</a:t>
+              <a:t>Posteriors can be used as priors with new information.</a:t>
             </a:r>
           </a:p>
           <a:p>
             <a:pPr lvl="1"/>
             <a:r>
               <a:rPr lang="en-US" dirty="0"/>
-              <a:t>FNP paradigm was developed to examine eugenics among “populations”. </a:t>
+              <a:t>You can do this too. </a:t>
             </a:r>
           </a:p>
           <a:p>
@@ -6618,7 +6618,7 @@
           <a:p>
             <a:r>
               <a:rPr lang="en-US" dirty="0"/>
-              <a:t>P(I Am Wrong)?</a:t>
+              <a:t>P(I Am Wrong) in the Absence of Urn Draws?</a:t>
             </a:r>
           </a:p>
         </p:txBody>
@@ -6646,12 +6646,6 @@
           <a:p>
             <a:r>
               <a:rPr lang="en-US" dirty="0"/>
-              <a:t>No repeated samples or urn draws.</a:t>
-            </a:r>
-          </a:p>
-          <a:p>
-            <a:r>
-              <a:rPr lang="en-US" dirty="0"/>
               <a:t>P(It </a:t>
             </a:r>
             <a:r>
@@ -6660,7 +6654,14 @@
             </a:r>
             <a:r>
               <a:rPr lang="en-US" dirty="0"/>
-              <a:t> AI) ≅ 100%.</a:t>
+              <a:t> AI) ≅ the sun will come out tomorrow.</a:t>
+            </a:r>
+          </a:p>
+          <a:p>
+            <a:pPr lvl="1"/>
+            <a:r>
+              <a:rPr lang="en-US" dirty="0"/>
+              <a:t>AI, if it achievable, will be include both causal and probabilistic paradigms.  </a:t>
             </a:r>
           </a:p>
           <a:p>
@@ -6681,26 +6682,22 @@
             <a:pPr lvl="1"/>
             <a:r>
               <a:rPr lang="en-US" dirty="0"/>
-              <a:t>AI in CRE</a:t>
-            </a:r>
-          </a:p>
-          <a:p>
-            <a:pPr lvl="2"/>
-            <a:r>
-              <a:rPr lang="en-US" dirty="0"/>
               <a:t>Richard </a:t>
             </a:r>
             <a:r>
               <a:rPr lang="en-US" dirty="0" err="1"/>
               <a:t>Barkham</a:t>
             </a:r>
-            <a:endParaRPr lang="en-US" dirty="0"/>
-          </a:p>
-          <a:p>
-            <a:pPr lvl="2"/>
-            <a:r>
-              <a:rPr lang="en-US" dirty="0"/>
-              <a:t>Spencer Levy</a:t>
+            <a:r>
+              <a:rPr lang="en-US" dirty="0"/>
+              <a:t> and yield curves (of which he is apparently unaware).</a:t>
+            </a:r>
+          </a:p>
+          <a:p>
+            <a:pPr lvl="1"/>
+            <a:r>
+              <a:rPr lang="en-US" dirty="0"/>
+              <a:t>Spencer Levy and Florida reptiles (of which he is apparently unaware).</a:t>
             </a:r>
           </a:p>
         </p:txBody>
@@ -6968,55 +6965,6 @@
                       </p:childTnLst>
                     </p:cTn>
                   </p:par>
-                  <p:par>
-                    <p:cTn id="23" fill="hold">
-                      <p:stCondLst>
-                        <p:cond delay="indefinite"/>
-                      </p:stCondLst>
-                      <p:childTnLst>
-                        <p:par>
-                          <p:cTn id="24" fill="hold">
-                            <p:stCondLst>
-                              <p:cond delay="0"/>
-                            </p:stCondLst>
-                            <p:childTnLst>
-                              <p:par>
-                                <p:cTn id="25" presetID="1" presetClass="entr" presetSubtype="0" fill="hold" nodeType="clickEffect">
-                                  <p:stCondLst>
-                                    <p:cond delay="0"/>
-                                  </p:stCondLst>
-                                  <p:childTnLst>
-                                    <p:set>
-                                      <p:cBhvr>
-                                        <p:cTn id="26" dur="1" fill="hold">
-                                          <p:stCondLst>
-                                            <p:cond delay="0"/>
-                                          </p:stCondLst>
-                                        </p:cTn>
-                                        <p:tgtEl>
-                                          <p:spTgt spid="3">
-                                            <p:txEl>
-                                              <p:pRg st="5" end="5"/>
-                                            </p:txEl>
-                                          </p:spTgt>
-                                        </p:tgtEl>
-                                        <p:attrNameLst>
-                                          <p:attrName>style.visibility</p:attrName>
-                                        </p:attrNameLst>
-                                      </p:cBhvr>
-                                      <p:to>
-                                        <p:strVal val="visible"/>
-                                      </p:to>
-                                    </p:set>
-                                  </p:childTnLst>
-                                </p:cTn>
-                              </p:par>
-                            </p:childTnLst>
-                          </p:cTn>
-                        </p:par>
-                      </p:childTnLst>
-                    </p:cTn>
-                  </p:par>
                 </p:childTnLst>
               </p:cTn>
               <p:prevCondLst>
@@ -7118,7 +7066,7 @@
           <a:p>
             <a:r>
               <a:rPr lang="en-US" dirty="0"/>
-              <a:t>My Schack course has much more information and background.</a:t>
+              <a:t>My NYU Schack course has much more information and background.</a:t>
             </a:r>
           </a:p>
           <a:p>
@@ -8421,7 +8369,7 @@
           <a:p>
             <a:r>
               <a:rPr lang="en-US" dirty="0"/>
-              <a:t>GDP = C + G + I + X – M</a:t>
+              <a:t>GNP = C + G + I + X – M</a:t>
             </a:r>
           </a:p>
           <a:p>
@@ -9153,12 +9101,6 @@
             </a:r>
           </a:p>
           <a:p>
-            <a:r>
-              <a:rPr lang="en-US" dirty="0"/>
-              <a:t>Why?</a:t>
-            </a:r>
-          </a:p>
-          <a:p>
             <a:pPr lvl="1"/>
             <a:r>
               <a:rPr lang="en-US" dirty="0"/>
@@ -9540,55 +9482,6 @@
                       </p:childTnLst>
                     </p:cTn>
                   </p:par>
-                  <p:par>
-                    <p:cTn id="31" fill="hold">
-                      <p:stCondLst>
-                        <p:cond delay="indefinite"/>
-                      </p:stCondLst>
-                      <p:childTnLst>
-                        <p:par>
-                          <p:cTn id="32" fill="hold">
-                            <p:stCondLst>
-                              <p:cond delay="0"/>
-                            </p:stCondLst>
-                            <p:childTnLst>
-                              <p:par>
-                                <p:cTn id="33" presetID="1" presetClass="entr" presetSubtype="0" fill="hold" nodeType="clickEffect">
-                                  <p:stCondLst>
-                                    <p:cond delay="0"/>
-                                  </p:stCondLst>
-                                  <p:childTnLst>
-                                    <p:set>
-                                      <p:cBhvr>
-                                        <p:cTn id="34" dur="1" fill="hold">
-                                          <p:stCondLst>
-                                            <p:cond delay="0"/>
-                                          </p:stCondLst>
-                                        </p:cTn>
-                                        <p:tgtEl>
-                                          <p:spTgt spid="3">
-                                            <p:txEl>
-                                              <p:pRg st="7" end="7"/>
-                                            </p:txEl>
-                                          </p:spTgt>
-                                        </p:tgtEl>
-                                        <p:attrNameLst>
-                                          <p:attrName>style.visibility</p:attrName>
-                                        </p:attrNameLst>
-                                      </p:cBhvr>
-                                      <p:to>
-                                        <p:strVal val="visible"/>
-                                      </p:to>
-                                    </p:set>
-                                  </p:childTnLst>
-                                </p:cTn>
-                              </p:par>
-                            </p:childTnLst>
-                          </p:cTn>
-                        </p:par>
-                      </p:childTnLst>
-                    </p:cTn>
-                  </p:par>
                 </p:childTnLst>
               </p:cTn>
               <p:prevCondLst>
@@ -9654,7 +9547,7 @@
           <a:p>
             <a:r>
               <a:rPr lang="en-US" dirty="0"/>
-              <a:t>Goodhart</a:t>
+              <a:t>Response 1.0: Goodhart</a:t>
             </a:r>
           </a:p>
         </p:txBody>
@@ -9939,7 +9832,7 @@
           <a:p>
             <a:r>
               <a:rPr lang="en-US" dirty="0"/>
-              <a:t>Lucas</a:t>
+              <a:t>Response 1.1: Lucas</a:t>
             </a:r>
           </a:p>
         </p:txBody>
@@ -10348,35 +10241,35 @@
             <a:pPr lvl="1"/>
             <a:r>
               <a:rPr lang="en-US" dirty="0"/>
-              <a:t>Small development grants on economic development.  (Nope.)</a:t>
+              <a:t>Small development grants on economic development.</a:t>
             </a:r>
           </a:p>
           <a:p>
             <a:pPr lvl="1"/>
             <a:r>
               <a:rPr lang="en-US" dirty="0"/>
-              <a:t>Retirement plans on after-tax savings.  (Yep if that is the goal.) </a:t>
+              <a:t>Retirement plans on after-tax savings. </a:t>
             </a:r>
           </a:p>
           <a:p>
             <a:pPr lvl="1"/>
             <a:r>
               <a:rPr lang="en-US" dirty="0"/>
-              <a:t>Health insurance on health outcomes.  (Nope.)</a:t>
+              <a:t>Health insurance on health outcomes.</a:t>
             </a:r>
           </a:p>
           <a:p>
             <a:pPr lvl="1"/>
             <a:r>
               <a:rPr lang="en-US" dirty="0"/>
-              <a:t>Opportunity zones on economic development?  (Dissertation topic now.)</a:t>
+              <a:t>Opportunity zones on economic development?</a:t>
             </a:r>
           </a:p>
           <a:p>
             <a:pPr lvl="1"/>
             <a:r>
               <a:rPr lang="en-US" dirty="0"/>
-              <a:t>COVID on WFH?  (Dissertation topic in 10 years.)</a:t>
+              <a:t>COVID on just about anything?</a:t>
             </a:r>
           </a:p>
         </p:txBody>

--- a/It Ain't AI.pptx
+++ b/It Ain't AI.pptx
@@ -277,7 +277,7 @@
           <a:p>
             <a:fld id="{438762AA-4FAF-9444-8333-FE845ECAB780}" type="datetimeFigureOut">
               <a:rPr lang="en-US" smtClean="0"/>
-              <a:t>3/19/22</a:t>
+              <a:t>3/20/22</a:t>
             </a:fld>
             <a:endParaRPr lang="en-US"/>
           </a:p>
@@ -475,7 +475,7 @@
           <a:p>
             <a:fld id="{438762AA-4FAF-9444-8333-FE845ECAB780}" type="datetimeFigureOut">
               <a:rPr lang="en-US" smtClean="0"/>
-              <a:t>3/19/22</a:t>
+              <a:t>3/20/22</a:t>
             </a:fld>
             <a:endParaRPr lang="en-US"/>
           </a:p>
@@ -683,7 +683,7 @@
           <a:p>
             <a:fld id="{438762AA-4FAF-9444-8333-FE845ECAB780}" type="datetimeFigureOut">
               <a:rPr lang="en-US" smtClean="0"/>
-              <a:t>3/19/22</a:t>
+              <a:t>3/20/22</a:t>
             </a:fld>
             <a:endParaRPr lang="en-US"/>
           </a:p>
@@ -881,7 +881,7 @@
           <a:p>
             <a:fld id="{438762AA-4FAF-9444-8333-FE845ECAB780}" type="datetimeFigureOut">
               <a:rPr lang="en-US" smtClean="0"/>
-              <a:t>3/19/22</a:t>
+              <a:t>3/20/22</a:t>
             </a:fld>
             <a:endParaRPr lang="en-US"/>
           </a:p>
@@ -1156,7 +1156,7 @@
           <a:p>
             <a:fld id="{438762AA-4FAF-9444-8333-FE845ECAB780}" type="datetimeFigureOut">
               <a:rPr lang="en-US" smtClean="0"/>
-              <a:t>3/19/22</a:t>
+              <a:t>3/20/22</a:t>
             </a:fld>
             <a:endParaRPr lang="en-US"/>
           </a:p>
@@ -1421,7 +1421,7 @@
           <a:p>
             <a:fld id="{438762AA-4FAF-9444-8333-FE845ECAB780}" type="datetimeFigureOut">
               <a:rPr lang="en-US" smtClean="0"/>
-              <a:t>3/19/22</a:t>
+              <a:t>3/20/22</a:t>
             </a:fld>
             <a:endParaRPr lang="en-US"/>
           </a:p>
@@ -1833,7 +1833,7 @@
           <a:p>
             <a:fld id="{438762AA-4FAF-9444-8333-FE845ECAB780}" type="datetimeFigureOut">
               <a:rPr lang="en-US" smtClean="0"/>
-              <a:t>3/19/22</a:t>
+              <a:t>3/20/22</a:t>
             </a:fld>
             <a:endParaRPr lang="en-US"/>
           </a:p>
@@ -1974,7 +1974,7 @@
           <a:p>
             <a:fld id="{438762AA-4FAF-9444-8333-FE845ECAB780}" type="datetimeFigureOut">
               <a:rPr lang="en-US" smtClean="0"/>
-              <a:t>3/19/22</a:t>
+              <a:t>3/20/22</a:t>
             </a:fld>
             <a:endParaRPr lang="en-US"/>
           </a:p>
@@ -2087,7 +2087,7 @@
           <a:p>
             <a:fld id="{438762AA-4FAF-9444-8333-FE845ECAB780}" type="datetimeFigureOut">
               <a:rPr lang="en-US" smtClean="0"/>
-              <a:t>3/19/22</a:t>
+              <a:t>3/20/22</a:t>
             </a:fld>
             <a:endParaRPr lang="en-US"/>
           </a:p>
@@ -2398,7 +2398,7 @@
           <a:p>
             <a:fld id="{438762AA-4FAF-9444-8333-FE845ECAB780}" type="datetimeFigureOut">
               <a:rPr lang="en-US" smtClean="0"/>
-              <a:t>3/19/22</a:t>
+              <a:t>3/20/22</a:t>
             </a:fld>
             <a:endParaRPr lang="en-US"/>
           </a:p>
@@ -2686,7 +2686,7 @@
           <a:p>
             <a:fld id="{438762AA-4FAF-9444-8333-FE845ECAB780}" type="datetimeFigureOut">
               <a:rPr lang="en-US" smtClean="0"/>
-              <a:t>3/19/22</a:t>
+              <a:t>3/20/22</a:t>
             </a:fld>
             <a:endParaRPr lang="en-US"/>
           </a:p>
@@ -2927,7 +2927,7 @@
           <a:p>
             <a:fld id="{438762AA-4FAF-9444-8333-FE845ECAB780}" type="datetimeFigureOut">
               <a:rPr lang="en-US" smtClean="0"/>
-              <a:t>3/19/22</a:t>
+              <a:t>3/20/22</a:t>
             </a:fld>
             <a:endParaRPr lang="en-US"/>
           </a:p>
@@ -3589,7 +3589,7 @@
           <a:p>
             <a:r>
               <a:rPr lang="en-US" dirty="0"/>
-              <a:t>Computer scientists ditch “statistical learning” for “AI”.</a:t>
+              <a:t>Computer scientists ditch “statistical learning” for “AI.”</a:t>
             </a:r>
           </a:p>
           <a:p>
@@ -4402,7 +4402,7 @@
             <a:pPr lvl="1"/>
             <a:r>
               <a:rPr lang="en-US" dirty="0"/>
-              <a:t>What does a survey tell us about political attitudes?</a:t>
+              <a:t>What does a survey tell me about political attitudes?</a:t>
             </a:r>
           </a:p>
           <a:p>
@@ -5096,7 +5096,12 @@
             <p:ph idx="1"/>
           </p:nvPr>
         </p:nvSpPr>
-        <p:spPr/>
+        <p:spPr>
+          <a:xfrm>
+            <a:off x="838200" y="1825625"/>
+            <a:ext cx="10515600" cy="4351338"/>
+          </a:xfrm>
+        </p:spPr>
         <p:txBody>
           <a:bodyPr>
             <a:normAutofit fontScale="92500" lnSpcReduction="20000"/>
@@ -5132,7 +5137,7 @@
             <a:pPr lvl="1"/>
             <a:r>
               <a:rPr lang="en-US" dirty="0"/>
-              <a:t>Linear regression captures sampling probability and not inferential probability.</a:t>
+              <a:t>Linear regression captures sampling frequencies and not inferential probability.</a:t>
             </a:r>
           </a:p>
           <a:p>
@@ -5145,14 +5150,14 @@
             <a:pPr lvl="1"/>
             <a:r>
               <a:rPr lang="en-US" dirty="0"/>
-              <a:t>Deductive reasoning with uncertainty properly expressed as PDFs.</a:t>
+              <a:t>Deductive reasoning with uncertainty (degree of belief) properly expressed as a PDF.</a:t>
             </a:r>
           </a:p>
           <a:p>
             <a:pPr lvl="1"/>
             <a:r>
               <a:rPr lang="en-US" dirty="0"/>
-              <a:t>The plausibility of a hypothesis (conjecture) given information.</a:t>
+              <a:t>The plausibility of a hypothesis (conjecture) given information (the data).</a:t>
             </a:r>
           </a:p>
           <a:p>
@@ -5956,7 +5961,7 @@
             <a:pPr lvl="1"/>
             <a:r>
               <a:rPr lang="en-US" dirty="0"/>
-              <a:t>Why would I ignore prior information?</a:t>
+              <a:t>Why would I ignore prior information, properly expressed?</a:t>
             </a:r>
           </a:p>
           <a:p>
@@ -6661,7 +6666,7 @@
             <a:pPr lvl="1"/>
             <a:r>
               <a:rPr lang="en-US" dirty="0"/>
-              <a:t>AI, if it achievable, will be include both causal and probabilistic paradigms.  </a:t>
+              <a:t>AI, if achievable, will be include both causal and probabilistic paradigms.  </a:t>
             </a:r>
           </a:p>
           <a:p>
@@ -6690,14 +6695,14 @@
             </a:r>
             <a:r>
               <a:rPr lang="en-US" dirty="0"/>
-              <a:t> and yield curves (of which he is apparently unaware).</a:t>
+              <a:t> and yield curves.</a:t>
             </a:r>
           </a:p>
           <a:p>
             <a:pPr lvl="1"/>
             <a:r>
               <a:rPr lang="en-US" dirty="0"/>
-              <a:t>Spencer Levy and Florida reptiles (of which he is apparently unaware).</a:t>
+              <a:t>Spencer Levy and Florida reptiles in Lake Nona.</a:t>
             </a:r>
           </a:p>
         </p:txBody>
@@ -7813,7 +7818,7 @@
             </a:r>
             <a:r>
               <a:rPr lang="en-US" dirty="0"/>
-              <a:t> advances “the common man” and mean reversion. </a:t>
+              <a:t> advances “the common man” with anthropometry. </a:t>
             </a:r>
           </a:p>
           <a:p>
@@ -8360,7 +8365,12 @@
             <p:ph idx="1"/>
           </p:nvPr>
         </p:nvSpPr>
-        <p:spPr/>
+        <p:spPr>
+          <a:xfrm>
+            <a:off x="838200" y="1825625"/>
+            <a:ext cx="10515600" cy="4351338"/>
+          </a:xfrm>
+        </p:spPr>
         <p:txBody>
           <a:bodyPr>
             <a:normAutofit/>
@@ -8383,8 +8393,17 @@
             <a:pPr lvl="1"/>
             <a:r>
               <a:rPr lang="en-US" dirty="0"/>
-              <a:t>G = G(fixed)</a:t>
-            </a:r>
+              <a:t>G = </a:t>
+            </a:r>
+            <a:r>
+              <a:rPr lang="en-US" dirty="0" err="1"/>
+              <a:t>G</a:t>
+            </a:r>
+            <a:r>
+              <a:rPr lang="en-US" baseline="-25000" dirty="0" err="1"/>
+              <a:t>bar</a:t>
+            </a:r>
+            <a:endParaRPr lang="en-US" dirty="0"/>
           </a:p>
           <a:p>
             <a:pPr lvl="1"/>
@@ -8410,7 +8429,7 @@
           <a:p>
             <a:r>
               <a:rPr lang="en-US" dirty="0"/>
-              <a:t>NIPA develops more granular measures.</a:t>
+              <a:t>NIPA develops more granular measures of C and I, in particular.</a:t>
             </a:r>
           </a:p>
           <a:p>
@@ -9084,20 +9103,13 @@
             <a:pPr lvl="1"/>
             <a:r>
               <a:rPr lang="en-US" dirty="0"/>
-              <a:t>p-value &lt; 0.01.</a:t>
-            </a:r>
-          </a:p>
-          <a:p>
-            <a:pPr lvl="1"/>
-            <a:r>
-              <a:rPr lang="en-US" dirty="0"/>
-              <a:t>Non-sensical: omitted variable bias.  </a:t>
-            </a:r>
-          </a:p>
-          <a:p>
-            <a:r>
-              <a:rPr lang="en-US" dirty="0"/>
-              <a:t>Cowles fails in the 1970’s in the face of stagflation.</a:t>
+              <a:t>p &lt; 0.01.  </a:t>
+            </a:r>
+          </a:p>
+          <a:p>
+            <a:r>
+              <a:rPr lang="en-US" dirty="0"/>
+              <a:t>Cowles falters in the 1970’s in the face of stagflation.</a:t>
             </a:r>
           </a:p>
           <a:p>
@@ -9433,55 +9445,6 @@
                       </p:childTnLst>
                     </p:cTn>
                   </p:par>
-                  <p:par>
-                    <p:cTn id="27" fill="hold">
-                      <p:stCondLst>
-                        <p:cond delay="indefinite"/>
-                      </p:stCondLst>
-                      <p:childTnLst>
-                        <p:par>
-                          <p:cTn id="28" fill="hold">
-                            <p:stCondLst>
-                              <p:cond delay="0"/>
-                            </p:stCondLst>
-                            <p:childTnLst>
-                              <p:par>
-                                <p:cTn id="29" presetID="1" presetClass="entr" presetSubtype="0" fill="hold" nodeType="clickEffect">
-                                  <p:stCondLst>
-                                    <p:cond delay="0"/>
-                                  </p:stCondLst>
-                                  <p:childTnLst>
-                                    <p:set>
-                                      <p:cBhvr>
-                                        <p:cTn id="30" dur="1" fill="hold">
-                                          <p:stCondLst>
-                                            <p:cond delay="0"/>
-                                          </p:stCondLst>
-                                        </p:cTn>
-                                        <p:tgtEl>
-                                          <p:spTgt spid="3">
-                                            <p:txEl>
-                                              <p:pRg st="6" end="6"/>
-                                            </p:txEl>
-                                          </p:spTgt>
-                                        </p:tgtEl>
-                                        <p:attrNameLst>
-                                          <p:attrName>style.visibility</p:attrName>
-                                        </p:attrNameLst>
-                                      </p:cBhvr>
-                                      <p:to>
-                                        <p:strVal val="visible"/>
-                                      </p:to>
-                                    </p:set>
-                                  </p:childTnLst>
-                                </p:cTn>
-                              </p:par>
-                            </p:childTnLst>
-                          </p:cTn>
-                        </p:par>
-                      </p:childTnLst>
-                    </p:cTn>
-                  </p:par>
                 </p:childTnLst>
               </p:cTn>
               <p:prevCondLst>
@@ -9577,7 +9540,7 @@
           <a:p>
             <a:r>
               <a:rPr lang="en-US" dirty="0"/>
-              <a:t>Goodhart “asserts that any economic relation tends to break down when used for policy purposes.” (</a:t>
+              <a:t>Goodhart “… asserts that any economic relation tends to break down when used for policy purposes.” (</a:t>
             </a:r>
             <a:r>
               <a:rPr lang="en-US" dirty="0" err="1"/>
@@ -9862,7 +9825,7 @@
           <a:p>
             <a:r>
               <a:rPr lang="en-US" dirty="0"/>
-              <a:t>Lucas (1976) notes that individual decision rules affected by policy are driven by “deep structural parameters.”</a:t>
+              <a:t>Lucas (1976) notes that individual decision rules, affected by policy, are driven by “deep structural parameters.”</a:t>
             </a:r>
           </a:p>
           <a:p>
@@ -10193,7 +10156,7 @@
         </p:spPr>
         <p:txBody>
           <a:bodyPr>
-            <a:normAutofit/>
+            <a:normAutofit fontScale="92500" lnSpcReduction="10000"/>
           </a:bodyPr>
           <a:lstStyle/>
           <a:p>
@@ -10206,6 +10169,13 @@
             <a:pPr lvl="1"/>
             <a:r>
               <a:rPr lang="en-US" dirty="0"/>
+              <a:t>Identification and instrumental variables.  (Many.)</a:t>
+            </a:r>
+          </a:p>
+          <a:p>
+            <a:pPr lvl="1"/>
+            <a:r>
+              <a:rPr lang="en-US" dirty="0"/>
               <a:t>VARs and ARIMAs to forecast using OOS to evaluate.  (Hamilton and Sargent.)</a:t>
             </a:r>
           </a:p>
@@ -10234,7 +10204,7 @@
           <a:p>
             <a:r>
               <a:rPr lang="en-US" dirty="0"/>
-              <a:t>Substantial progress in evaluating the “impact of intervention”.</a:t>
+              <a:t>Substantial progress in evaluating the “impact of interventions.”</a:t>
             </a:r>
           </a:p>
           <a:p>
@@ -10248,7 +10218,7 @@
             <a:pPr lvl="1"/>
             <a:r>
               <a:rPr lang="en-US" dirty="0"/>
-              <a:t>Retirement plans on after-tax savings. </a:t>
+              <a:t>Retirement plans on after-tax savings.</a:t>
             </a:r>
           </a:p>
           <a:p>
@@ -10262,14 +10232,21 @@
             <a:pPr lvl="1"/>
             <a:r>
               <a:rPr lang="en-US" dirty="0"/>
-              <a:t>Opportunity zones on economic development?</a:t>
+              <a:t>Minimum wage laws on employment levels.</a:t>
             </a:r>
           </a:p>
           <a:p>
             <a:pPr lvl="1"/>
             <a:r>
               <a:rPr lang="en-US" dirty="0"/>
-              <a:t>COVID on just about anything?</a:t>
+              <a:t>Opportunity zones on economic development.</a:t>
+            </a:r>
+          </a:p>
+          <a:p>
+            <a:pPr lvl="1"/>
+            <a:r>
+              <a:rPr lang="en-US" dirty="0"/>
+              <a:t>COVID on just about anything.</a:t>
             </a:r>
           </a:p>
         </p:txBody>
@@ -10782,6 +10759,104 @@
                       </p:childTnLst>
                     </p:cTn>
                   </p:par>
+                  <p:par>
+                    <p:cTn id="43" fill="hold">
+                      <p:stCondLst>
+                        <p:cond delay="indefinite"/>
+                      </p:stCondLst>
+                      <p:childTnLst>
+                        <p:par>
+                          <p:cTn id="44" fill="hold">
+                            <p:stCondLst>
+                              <p:cond delay="0"/>
+                            </p:stCondLst>
+                            <p:childTnLst>
+                              <p:par>
+                                <p:cTn id="45" presetID="1" presetClass="entr" presetSubtype="0" fill="hold" nodeType="clickEffect">
+                                  <p:stCondLst>
+                                    <p:cond delay="0"/>
+                                  </p:stCondLst>
+                                  <p:childTnLst>
+                                    <p:set>
+                                      <p:cBhvr>
+                                        <p:cTn id="46" dur="1" fill="hold">
+                                          <p:stCondLst>
+                                            <p:cond delay="0"/>
+                                          </p:stCondLst>
+                                        </p:cTn>
+                                        <p:tgtEl>
+                                          <p:spTgt spid="3">
+                                            <p:txEl>
+                                              <p:pRg st="10" end="10"/>
+                                            </p:txEl>
+                                          </p:spTgt>
+                                        </p:tgtEl>
+                                        <p:attrNameLst>
+                                          <p:attrName>style.visibility</p:attrName>
+                                        </p:attrNameLst>
+                                      </p:cBhvr>
+                                      <p:to>
+                                        <p:strVal val="visible"/>
+                                      </p:to>
+                                    </p:set>
+                                  </p:childTnLst>
+                                </p:cTn>
+                              </p:par>
+                            </p:childTnLst>
+                          </p:cTn>
+                        </p:par>
+                      </p:childTnLst>
+                    </p:cTn>
+                  </p:par>
+                  <p:par>
+                    <p:cTn id="47" fill="hold">
+                      <p:stCondLst>
+                        <p:cond delay="indefinite"/>
+                      </p:stCondLst>
+                      <p:childTnLst>
+                        <p:par>
+                          <p:cTn id="48" fill="hold">
+                            <p:stCondLst>
+                              <p:cond delay="0"/>
+                            </p:stCondLst>
+                            <p:childTnLst>
+                              <p:par>
+                                <p:cTn id="49" presetID="1" presetClass="entr" presetSubtype="0" fill="hold" nodeType="clickEffect">
+                                  <p:stCondLst>
+                                    <p:cond delay="0"/>
+                                  </p:stCondLst>
+                                  <p:childTnLst>
+                                    <p:set>
+                                      <p:cBhvr>
+                                        <p:cTn id="50" dur="1" fill="hold">
+                                          <p:stCondLst>
+                                            <p:cond delay="0"/>
+                                          </p:stCondLst>
+                                        </p:cTn>
+                                        <p:tgtEl>
+                                          <p:spTgt spid="3">
+                                            <p:txEl>
+                                              <p:pRg st="11" end="11"/>
+                                            </p:txEl>
+                                          </p:spTgt>
+                                        </p:tgtEl>
+                                        <p:attrNameLst>
+                                          <p:attrName>style.visibility</p:attrName>
+                                        </p:attrNameLst>
+                                      </p:cBhvr>
+                                      <p:to>
+                                        <p:strVal val="visible"/>
+                                      </p:to>
+                                    </p:set>
+                                  </p:childTnLst>
+                                </p:cTn>
+                              </p:par>
+                            </p:childTnLst>
+                          </p:cTn>
+                        </p:par>
+                      </p:childTnLst>
+                    </p:cTn>
+                  </p:par>
                 </p:childTnLst>
               </p:cTn>
               <p:prevCondLst>

--- a/It Ain't AI.pptx
+++ b/It Ain't AI.pptx
@@ -3607,14 +3607,14 @@
             <a:pPr lvl="1"/>
             <a:r>
               <a:rPr lang="en-US" dirty="0"/>
-              <a:t>Or the fact that we humans choose the algorithms to be used.  </a:t>
+              <a:t>The fact that we humans choose the algorithms to be used or GIGO.</a:t>
             </a:r>
           </a:p>
           <a:p>
             <a:pPr lvl="1"/>
             <a:r>
               <a:rPr lang="en-US" dirty="0"/>
-              <a:t>Or GIGO.</a:t>
+              <a:t>Deep learning is declared to be AI.</a:t>
             </a:r>
           </a:p>
           <a:p>
@@ -3628,7 +3628,7 @@
             </a:r>
             <a:r>
               <a:rPr lang="en-US" dirty="0"/>
-              <a:t> AI, and outside of image recognition </a:t>
+              <a:t> AI, and outside of image recognition it </a:t>
             </a:r>
             <a:r>
               <a:rPr lang="en-US" dirty="0" err="1"/>
@@ -5067,16 +5067,13 @@
           <a:p>
             <a:r>
               <a:rPr lang="en-US" dirty="0"/>
-              <a:t>Response 2.1: </a:t>
+              <a:t>Response 2.1: Bayes, Price and </a:t>
             </a:r>
             <a:r>
               <a:rPr lang="en-US" dirty="0" err="1"/>
-              <a:t>Leplace’s</a:t>
-            </a:r>
-            <a:r>
-              <a:rPr lang="en-US" dirty="0"/>
-              <a:t> Other Branch</a:t>
-            </a:r>
+              <a:t>Leplace</a:t>
+            </a:r>
+            <a:endParaRPr lang="en-US" dirty="0"/>
           </a:p>
         </p:txBody>
       </p:sp>
@@ -5961,27 +5958,34 @@
             <a:pPr lvl="1"/>
             <a:r>
               <a:rPr lang="en-US" dirty="0"/>
-              <a:t>Why would I ignore prior information, properly expressed?</a:t>
+              <a:t>Why would I ignore prior information, properly expressed as degree of belief?</a:t>
             </a:r>
           </a:p>
           <a:p>
             <a:pPr lvl="1"/>
             <a:r>
               <a:rPr lang="en-US" dirty="0"/>
-              <a:t>IID is as subjective but not transparent.</a:t>
+              <a:t>IID is as subjective but not transparent.  (And is foundational to frequentism.)</a:t>
             </a:r>
           </a:p>
           <a:p>
             <a:pPr lvl="1"/>
             <a:r>
               <a:rPr lang="en-US" dirty="0"/>
-              <a:t>FNP paradigm of NHST relies on “repeated samples” that do not exist.      </a:t>
+              <a:t>FNP paradigm of NHST relies on “repeated samples” that do not exist.</a:t>
             </a:r>
           </a:p>
           <a:p>
             <a:pPr lvl="1"/>
             <a:r>
               <a:rPr lang="en-US" dirty="0"/>
+              <a:t>FNP paradigm was developed to reflected their views on eugenics.      </a:t>
+            </a:r>
+          </a:p>
+          <a:p>
+            <a:pPr lvl="1"/>
+            <a:r>
+              <a:rPr lang="en-US" dirty="0"/>
               <a:t>Modern computing power makes large-scale MCMC simulation trivial. </a:t>
             </a:r>
           </a:p>
@@ -5997,13 +6001,6 @@
             <a:r>
               <a:rPr lang="en-US" dirty="0"/>
               <a:t>Posteriors can be used as priors with new information.</a:t>
-            </a:r>
-          </a:p>
-          <a:p>
-            <a:pPr lvl="1"/>
-            <a:r>
-              <a:rPr lang="en-US" dirty="0"/>
-              <a:t>You can do this too. </a:t>
             </a:r>
           </a:p>
           <a:p>
@@ -6666,7 +6663,7 @@
             <a:pPr lvl="1"/>
             <a:r>
               <a:rPr lang="en-US" dirty="0"/>
-              <a:t>AI, if achievable, will be include both causal and probabilistic paradigms.  </a:t>
+              <a:t>AI, if achievable, will be include both Pearl and Bayes.  </a:t>
             </a:r>
           </a:p>
           <a:p>
@@ -7794,21 +7791,13 @@
           <a:p>
             <a:r>
               <a:rPr lang="en-US" dirty="0"/>
-              <a:t>Bernoulli and </a:t>
-            </a:r>
-            <a:r>
-              <a:rPr lang="en-US" dirty="0" err="1"/>
-              <a:t>Leplace</a:t>
-            </a:r>
-            <a:r>
-              <a:rPr lang="en-US" dirty="0"/>
-              <a:t> advance probability as outcomes of urn draws.</a:t>
-            </a:r>
-          </a:p>
-          <a:p>
-            <a:r>
-              <a:rPr lang="en-US" dirty="0"/>
-              <a:t>Gauss advances least squares and the normal distribution.</a:t>
+              <a:t>Bernoulli advances probability as frequency (urn draws).</a:t>
+            </a:r>
+          </a:p>
+          <a:p>
+            <a:r>
+              <a:rPr lang="en-US" dirty="0"/>
+              <a:t>Gauss advances OLS and the normal distribution.</a:t>
             </a:r>
           </a:p>
           <a:p>
@@ -9088,7 +9077,7 @@
           <a:p>
             <a:r>
               <a:rPr lang="en-US" dirty="0"/>
-              <a:t>For every $10/</a:t>
+              <a:t>For every $10 per </a:t>
             </a:r>
             <a:r>
               <a:rPr lang="en-US" dirty="0" err="1"/>
@@ -10176,7 +10165,7 @@
             <a:pPr lvl="1"/>
             <a:r>
               <a:rPr lang="en-US" dirty="0"/>
-              <a:t>VARs and ARIMAs to forecast using OOS to evaluate.  (Hamilton and Sargent.)</a:t>
+              <a:t>VARs and VARIMAs to forecast using OOS to evaluate.  (Hamilton and Sargent.)</a:t>
             </a:r>
           </a:p>
           <a:p>
@@ -10239,14 +10228,14 @@
             <a:pPr lvl="1"/>
             <a:r>
               <a:rPr lang="en-US" dirty="0"/>
-              <a:t>Opportunity zones on economic development.</a:t>
+              <a:t>Opportunity zones on economic development.  (Not until RCA gives me the data.)</a:t>
             </a:r>
           </a:p>
           <a:p>
             <a:pPr lvl="1"/>
             <a:r>
               <a:rPr lang="en-US" dirty="0"/>
-              <a:t>COVID on just about anything.</a:t>
+              <a:t>COVID on just about anything.  (A few years from now.)</a:t>
             </a:r>
           </a:p>
         </p:txBody>
